--- a/Apresentação/MarioStore.pptx
+++ b/Apresentação/MarioStore.pptx
@@ -199,7 +199,7 @@
           <a:p>
             <a:fld id="{3ED69B3C-6135-4882-A11D-53C30E838A82}" type="datetimeFigureOut">
               <a:rPr lang="pt-BR" smtClean="0"/>
-              <a:t>16/06/2018</a:t>
+              <a:t>21/06/2018</a:t>
             </a:fld>
             <a:endParaRPr lang="pt-BR"/>
           </a:p>
@@ -598,7 +598,7 @@
           <a:p>
             <a:fld id="{F7A8AE26-0972-4A6B-9FE9-114CEA8EFEB6}" type="datetimeFigureOut">
               <a:rPr lang="pt-BR" smtClean="0"/>
-              <a:t>16/06/2018</a:t>
+              <a:t>21/06/2018</a:t>
             </a:fld>
             <a:endParaRPr lang="pt-BR"/>
           </a:p>
@@ -768,7 +768,7 @@
           <a:p>
             <a:fld id="{F7A8AE26-0972-4A6B-9FE9-114CEA8EFEB6}" type="datetimeFigureOut">
               <a:rPr lang="pt-BR" smtClean="0"/>
-              <a:t>16/06/2018</a:t>
+              <a:t>21/06/2018</a:t>
             </a:fld>
             <a:endParaRPr lang="pt-BR"/>
           </a:p>
@@ -948,7 +948,7 @@
           <a:p>
             <a:fld id="{F7A8AE26-0972-4A6B-9FE9-114CEA8EFEB6}" type="datetimeFigureOut">
               <a:rPr lang="pt-BR" smtClean="0"/>
-              <a:t>16/06/2018</a:t>
+              <a:t>21/06/2018</a:t>
             </a:fld>
             <a:endParaRPr lang="pt-BR"/>
           </a:p>
@@ -1118,7 +1118,7 @@
           <a:p>
             <a:fld id="{F7A8AE26-0972-4A6B-9FE9-114CEA8EFEB6}" type="datetimeFigureOut">
               <a:rPr lang="pt-BR" smtClean="0"/>
-              <a:t>16/06/2018</a:t>
+              <a:t>21/06/2018</a:t>
             </a:fld>
             <a:endParaRPr lang="pt-BR"/>
           </a:p>
@@ -1364,7 +1364,7 @@
           <a:p>
             <a:fld id="{F7A8AE26-0972-4A6B-9FE9-114CEA8EFEB6}" type="datetimeFigureOut">
               <a:rPr lang="pt-BR" smtClean="0"/>
-              <a:t>16/06/2018</a:t>
+              <a:t>21/06/2018</a:t>
             </a:fld>
             <a:endParaRPr lang="pt-BR"/>
           </a:p>
@@ -1596,7 +1596,7 @@
           <a:p>
             <a:fld id="{F7A8AE26-0972-4A6B-9FE9-114CEA8EFEB6}" type="datetimeFigureOut">
               <a:rPr lang="pt-BR" smtClean="0"/>
-              <a:t>16/06/2018</a:t>
+              <a:t>21/06/2018</a:t>
             </a:fld>
             <a:endParaRPr lang="pt-BR"/>
           </a:p>
@@ -1963,7 +1963,7 @@
           <a:p>
             <a:fld id="{F7A8AE26-0972-4A6B-9FE9-114CEA8EFEB6}" type="datetimeFigureOut">
               <a:rPr lang="pt-BR" smtClean="0"/>
-              <a:t>16/06/2018</a:t>
+              <a:t>21/06/2018</a:t>
             </a:fld>
             <a:endParaRPr lang="pt-BR"/>
           </a:p>
@@ -2081,7 +2081,7 @@
           <a:p>
             <a:fld id="{F7A8AE26-0972-4A6B-9FE9-114CEA8EFEB6}" type="datetimeFigureOut">
               <a:rPr lang="pt-BR" smtClean="0"/>
-              <a:t>16/06/2018</a:t>
+              <a:t>21/06/2018</a:t>
             </a:fld>
             <a:endParaRPr lang="pt-BR"/>
           </a:p>
@@ -2176,7 +2176,7 @@
           <a:p>
             <a:fld id="{F7A8AE26-0972-4A6B-9FE9-114CEA8EFEB6}" type="datetimeFigureOut">
               <a:rPr lang="pt-BR" smtClean="0"/>
-              <a:t>16/06/2018</a:t>
+              <a:t>21/06/2018</a:t>
             </a:fld>
             <a:endParaRPr lang="pt-BR"/>
           </a:p>
@@ -2453,7 +2453,7 @@
           <a:p>
             <a:fld id="{F7A8AE26-0972-4A6B-9FE9-114CEA8EFEB6}" type="datetimeFigureOut">
               <a:rPr lang="pt-BR" smtClean="0"/>
-              <a:t>16/06/2018</a:t>
+              <a:t>21/06/2018</a:t>
             </a:fld>
             <a:endParaRPr lang="pt-BR"/>
           </a:p>
@@ -2706,7 +2706,7 @@
           <a:p>
             <a:fld id="{F7A8AE26-0972-4A6B-9FE9-114CEA8EFEB6}" type="datetimeFigureOut">
               <a:rPr lang="pt-BR" smtClean="0"/>
-              <a:t>16/06/2018</a:t>
+              <a:t>21/06/2018</a:t>
             </a:fld>
             <a:endParaRPr lang="pt-BR"/>
           </a:p>
@@ -2919,7 +2919,7 @@
           <a:p>
             <a:fld id="{F7A8AE26-0972-4A6B-9FE9-114CEA8EFEB6}" type="datetimeFigureOut">
               <a:rPr lang="pt-BR" smtClean="0"/>
-              <a:t>16/06/2018</a:t>
+              <a:t>21/06/2018</a:t>
             </a:fld>
             <a:endParaRPr lang="pt-BR"/>
           </a:p>
